--- a/bot_icon.pptx
+++ b/bot_icon.pptx
@@ -123,6 +123,371 @@
 </p:presentation>
 </file>
 
+<file path=ppt/revisionInfo.xml><?xml version="1.0" encoding="utf-8"?>
+<p1510:revInfo xmlns:a="http://schemas.openxmlformats.org/drawingml/2006/main" xmlns:r="http://schemas.openxmlformats.org/officeDocument/2006/relationships" xmlns:p1510="http://schemas.microsoft.com/office/powerpoint/2015/10/main">
+  <p1510:revLst>
+    <p1510:client id="{CB8E66E4-4C5A-AF42-8003-C75EE811A9C5}" v="141" dt="2020-02-03T11:28:10.567"/>
+  </p1510:revLst>
+</p1510:revInfo>
+</file>
+
+<file path=ppt/changesInfos/changesInfo1.xml><?xml version="1.0" encoding="utf-8"?>
+<pc:chgInfo xmlns:a="http://schemas.openxmlformats.org/drawingml/2006/main" xmlns:r="http://schemas.openxmlformats.org/officeDocument/2006/relationships" xmlns:ac="http://schemas.microsoft.com/office/drawing/2013/main/command" xmlns:pc="http://schemas.microsoft.com/office/powerpoint/2013/main/command">
+  <pc:docChgLst>
+    <pc:chgData name="Edward Rees" userId="feb4154352fdc939" providerId="LiveId" clId="{CB8E66E4-4C5A-AF42-8003-C75EE811A9C5}"/>
+    <pc:docChg chg="undo custSel modSld">
+      <pc:chgData name="Edward Rees" userId="feb4154352fdc939" providerId="LiveId" clId="{CB8E66E4-4C5A-AF42-8003-C75EE811A9C5}" dt="2020-02-03T11:28:10.567" v="263" actId="164"/>
+      <pc:docMkLst>
+        <pc:docMk/>
+      </pc:docMkLst>
+      <pc:sldChg chg="addSp delSp modSp">
+        <pc:chgData name="Edward Rees" userId="feb4154352fdc939" providerId="LiveId" clId="{CB8E66E4-4C5A-AF42-8003-C75EE811A9C5}" dt="2020-02-03T11:28:10.567" v="263" actId="164"/>
+        <pc:sldMkLst>
+          <pc:docMk/>
+          <pc:sldMk cId="1776503721" sldId="256"/>
+        </pc:sldMkLst>
+        <pc:spChg chg="add del mod">
+          <ac:chgData name="Edward Rees" userId="feb4154352fdc939" providerId="LiveId" clId="{CB8E66E4-4C5A-AF42-8003-C75EE811A9C5}" dt="2020-01-31T11:38:59.003" v="5" actId="11529"/>
+          <ac:spMkLst>
+            <pc:docMk/>
+            <pc:sldMk cId="1776503721" sldId="256"/>
+            <ac:spMk id="2" creationId="{E4BF5F4C-3DDB-9547-BC43-C14C756691B7}"/>
+          </ac:spMkLst>
+        </pc:spChg>
+        <pc:spChg chg="add del mod">
+          <ac:chgData name="Edward Rees" userId="feb4154352fdc939" providerId="LiveId" clId="{CB8E66E4-4C5A-AF42-8003-C75EE811A9C5}" dt="2020-02-01T14:56:25.969" v="262" actId="478"/>
+          <ac:spMkLst>
+            <pc:docMk/>
+            <pc:sldMk cId="1776503721" sldId="256"/>
+            <ac:spMk id="3" creationId="{6B45ED9D-0075-0641-892A-7A2FC2F6D0A7}"/>
+          </ac:spMkLst>
+        </pc:spChg>
+        <pc:spChg chg="mod">
+          <ac:chgData name="Edward Rees" userId="feb4154352fdc939" providerId="LiveId" clId="{CB8E66E4-4C5A-AF42-8003-C75EE811A9C5}" dt="2020-02-03T11:28:10.567" v="263" actId="164"/>
+          <ac:spMkLst>
+            <pc:docMk/>
+            <pc:sldMk cId="1776503721" sldId="256"/>
+            <ac:spMk id="4" creationId="{62143332-272A-C742-BFCF-44F5A2F5CC24}"/>
+          </ac:spMkLst>
+        </pc:spChg>
+        <pc:spChg chg="add del mod">
+          <ac:chgData name="Edward Rees" userId="feb4154352fdc939" providerId="LiveId" clId="{CB8E66E4-4C5A-AF42-8003-C75EE811A9C5}" dt="2020-01-31T11:59:43.780" v="176" actId="207"/>
+          <ac:spMkLst>
+            <pc:docMk/>
+            <pc:sldMk cId="1776503721" sldId="256"/>
+            <ac:spMk id="5" creationId="{D89829C8-2516-E540-9C01-D20849E71B5C}"/>
+          </ac:spMkLst>
+        </pc:spChg>
+        <pc:spChg chg="mod">
+          <ac:chgData name="Edward Rees" userId="feb4154352fdc939" providerId="LiveId" clId="{CB8E66E4-4C5A-AF42-8003-C75EE811A9C5}" dt="2020-01-31T11:59:49.871" v="177" actId="207"/>
+          <ac:spMkLst>
+            <pc:docMk/>
+            <pc:sldMk cId="1776503721" sldId="256"/>
+            <ac:spMk id="6" creationId="{12A76315-93AA-3C48-AAA0-F4BB10331B84}"/>
+          </ac:spMkLst>
+        </pc:spChg>
+        <pc:spChg chg="add del mod">
+          <ac:chgData name="Edward Rees" userId="feb4154352fdc939" providerId="LiveId" clId="{CB8E66E4-4C5A-AF42-8003-C75EE811A9C5}" dt="2020-01-31T12:01:39.375" v="205"/>
+          <ac:spMkLst>
+            <pc:docMk/>
+            <pc:sldMk cId="1776503721" sldId="256"/>
+            <ac:spMk id="7" creationId="{AD885B63-8A4E-3144-A877-D32B5FE3838C}"/>
+          </ac:spMkLst>
+        </pc:spChg>
+        <pc:spChg chg="mod">
+          <ac:chgData name="Edward Rees" userId="feb4154352fdc939" providerId="LiveId" clId="{CB8E66E4-4C5A-AF42-8003-C75EE811A9C5}" dt="2020-02-03T11:28:10.567" v="263" actId="164"/>
+          <ac:spMkLst>
+            <pc:docMk/>
+            <pc:sldMk cId="1776503721" sldId="256"/>
+            <ac:spMk id="9" creationId="{0EA5864A-0165-2B42-9807-BA1DACE28304}"/>
+          </ac:spMkLst>
+        </pc:spChg>
+        <pc:spChg chg="add del mod">
+          <ac:chgData name="Edward Rees" userId="feb4154352fdc939" providerId="LiveId" clId="{CB8E66E4-4C5A-AF42-8003-C75EE811A9C5}" dt="2020-02-01T14:56:21.964" v="260" actId="478"/>
+          <ac:spMkLst>
+            <pc:docMk/>
+            <pc:sldMk cId="1776503721" sldId="256"/>
+            <ac:spMk id="10" creationId="{A28F8B8E-0D02-434F-B075-969BC3A6ED6C}"/>
+          </ac:spMkLst>
+        </pc:spChg>
+        <pc:spChg chg="add del mod">
+          <ac:chgData name="Edward Rees" userId="feb4154352fdc939" providerId="LiveId" clId="{CB8E66E4-4C5A-AF42-8003-C75EE811A9C5}" dt="2020-02-01T14:56:23.708" v="261" actId="478"/>
+          <ac:spMkLst>
+            <pc:docMk/>
+            <pc:sldMk cId="1776503721" sldId="256"/>
+            <ac:spMk id="11" creationId="{484A3DCD-E95B-EF4C-98DB-022299C6BF69}"/>
+          </ac:spMkLst>
+        </pc:spChg>
+        <pc:spChg chg="add del mod">
+          <ac:chgData name="Edward Rees" userId="feb4154352fdc939" providerId="LiveId" clId="{CB8E66E4-4C5A-AF42-8003-C75EE811A9C5}" dt="2020-02-01T14:56:21.964" v="260" actId="478"/>
+          <ac:spMkLst>
+            <pc:docMk/>
+            <pc:sldMk cId="1776503721" sldId="256"/>
+            <ac:spMk id="12" creationId="{2E880E8C-4EC3-BD43-9388-F473FDDD862E}"/>
+          </ac:spMkLst>
+        </pc:spChg>
+        <pc:spChg chg="add mod">
+          <ac:chgData name="Edward Rees" userId="feb4154352fdc939" providerId="LiveId" clId="{CB8E66E4-4C5A-AF42-8003-C75EE811A9C5}" dt="2020-02-03T11:28:10.567" v="263" actId="164"/>
+          <ac:spMkLst>
+            <pc:docMk/>
+            <pc:sldMk cId="1776503721" sldId="256"/>
+            <ac:spMk id="13" creationId="{78DCB3FB-C440-3E43-93F5-1EC1ABEC180E}"/>
+          </ac:spMkLst>
+        </pc:spChg>
+        <pc:spChg chg="add del mod">
+          <ac:chgData name="Edward Rees" userId="feb4154352fdc939" providerId="LiveId" clId="{CB8E66E4-4C5A-AF42-8003-C75EE811A9C5}" dt="2020-01-31T12:01:39.375" v="205"/>
+          <ac:spMkLst>
+            <pc:docMk/>
+            <pc:sldMk cId="1776503721" sldId="256"/>
+            <ac:spMk id="14" creationId="{D253C7AA-06E8-AA44-A159-44511FDEAF0B}"/>
+          </ac:spMkLst>
+        </pc:spChg>
+        <pc:spChg chg="add mod">
+          <ac:chgData name="Edward Rees" userId="feb4154352fdc939" providerId="LiveId" clId="{CB8E66E4-4C5A-AF42-8003-C75EE811A9C5}" dt="2020-01-31T12:05:15.665" v="251" actId="207"/>
+          <ac:spMkLst>
+            <pc:docMk/>
+            <pc:sldMk cId="1776503721" sldId="256"/>
+            <ac:spMk id="15" creationId="{F0E176B1-31F2-C646-8D4F-1B95620ED5AB}"/>
+          </ac:spMkLst>
+        </pc:spChg>
+        <pc:spChg chg="add mod">
+          <ac:chgData name="Edward Rees" userId="feb4154352fdc939" providerId="LiveId" clId="{CB8E66E4-4C5A-AF42-8003-C75EE811A9C5}" dt="2020-01-31T12:05:12.146" v="250" actId="207"/>
+          <ac:spMkLst>
+            <pc:docMk/>
+            <pc:sldMk cId="1776503721" sldId="256"/>
+            <ac:spMk id="16" creationId="{C8C226C6-728B-5749-A049-671783CD4DFF}"/>
+          </ac:spMkLst>
+        </pc:spChg>
+        <pc:spChg chg="add del mod">
+          <ac:chgData name="Edward Rees" userId="feb4154352fdc939" providerId="LiveId" clId="{CB8E66E4-4C5A-AF42-8003-C75EE811A9C5}" dt="2020-01-31T11:52:07.706" v="120"/>
+          <ac:spMkLst>
+            <pc:docMk/>
+            <pc:sldMk cId="1776503721" sldId="256"/>
+            <ac:spMk id="17" creationId="{5BAC3B40-F021-E344-8339-385F2EA2137A}"/>
+          </ac:spMkLst>
+        </pc:spChg>
+        <pc:spChg chg="add del mod">
+          <ac:chgData name="Edward Rees" userId="feb4154352fdc939" providerId="LiveId" clId="{CB8E66E4-4C5A-AF42-8003-C75EE811A9C5}" dt="2020-01-31T11:57:30.283" v="164" actId="478"/>
+          <ac:spMkLst>
+            <pc:docMk/>
+            <pc:sldMk cId="1776503721" sldId="256"/>
+            <ac:spMk id="18" creationId="{28ACEB08-2E2B-D948-AAF5-3C63BAA99F34}"/>
+          </ac:spMkLst>
+        </pc:spChg>
+        <pc:spChg chg="mod">
+          <ac:chgData name="Edward Rees" userId="feb4154352fdc939" providerId="LiveId" clId="{CB8E66E4-4C5A-AF42-8003-C75EE811A9C5}" dt="2020-02-01T14:39:44.357" v="259"/>
+          <ac:spMkLst>
+            <pc:docMk/>
+            <pc:sldMk cId="1776503721" sldId="256"/>
+            <ac:spMk id="18" creationId="{BA485C39-94A9-7A4D-A78A-BE735C143895}"/>
+          </ac:spMkLst>
+        </pc:spChg>
+        <pc:spChg chg="add del mod">
+          <ac:chgData name="Edward Rees" userId="feb4154352fdc939" providerId="LiveId" clId="{CB8E66E4-4C5A-AF42-8003-C75EE811A9C5}" dt="2020-01-31T11:56:38.358" v="162" actId="478"/>
+          <ac:spMkLst>
+            <pc:docMk/>
+            <pc:sldMk cId="1776503721" sldId="256"/>
+            <ac:spMk id="19" creationId="{AE1D3B9B-3092-2549-BA10-A42F74246777}"/>
+          </ac:spMkLst>
+        </pc:spChg>
+        <pc:spChg chg="mod">
+          <ac:chgData name="Edward Rees" userId="feb4154352fdc939" providerId="LiveId" clId="{CB8E66E4-4C5A-AF42-8003-C75EE811A9C5}" dt="2020-01-31T12:00:35.043" v="180"/>
+          <ac:spMkLst>
+            <pc:docMk/>
+            <pc:sldMk cId="1776503721" sldId="256"/>
+            <ac:spMk id="22" creationId="{4964AF5F-9C05-FA43-8B5F-09EC59690E05}"/>
+          </ac:spMkLst>
+        </pc:spChg>
+        <pc:spChg chg="mod">
+          <ac:chgData name="Edward Rees" userId="feb4154352fdc939" providerId="LiveId" clId="{CB8E66E4-4C5A-AF42-8003-C75EE811A9C5}" dt="2020-01-31T12:00:38.729" v="182"/>
+          <ac:spMkLst>
+            <pc:docMk/>
+            <pc:sldMk cId="1776503721" sldId="256"/>
+            <ac:spMk id="23" creationId="{D49739B1-A0CE-2645-8217-1A985504EE2D}"/>
+          </ac:spMkLst>
+        </pc:spChg>
+        <pc:spChg chg="mod">
+          <ac:chgData name="Edward Rees" userId="feb4154352fdc939" providerId="LiveId" clId="{CB8E66E4-4C5A-AF42-8003-C75EE811A9C5}" dt="2020-01-31T12:00:47.835" v="184"/>
+          <ac:spMkLst>
+            <pc:docMk/>
+            <pc:sldMk cId="1776503721" sldId="256"/>
+            <ac:spMk id="24" creationId="{F0D02DA1-8A04-BA4C-8D2B-6DACBFFFF529}"/>
+          </ac:spMkLst>
+        </pc:spChg>
+        <pc:spChg chg="mod">
+          <ac:chgData name="Edward Rees" userId="feb4154352fdc939" providerId="LiveId" clId="{CB8E66E4-4C5A-AF42-8003-C75EE811A9C5}" dt="2020-01-31T12:00:51.587" v="186"/>
+          <ac:spMkLst>
+            <pc:docMk/>
+            <pc:sldMk cId="1776503721" sldId="256"/>
+            <ac:spMk id="25" creationId="{EA6946DE-2737-7943-BA50-703D4856C766}"/>
+          </ac:spMkLst>
+        </pc:spChg>
+        <pc:spChg chg="mod">
+          <ac:chgData name="Edward Rees" userId="feb4154352fdc939" providerId="LiveId" clId="{CB8E66E4-4C5A-AF42-8003-C75EE811A9C5}" dt="2020-01-31T12:00:51.587" v="186"/>
+          <ac:spMkLst>
+            <pc:docMk/>
+            <pc:sldMk cId="1776503721" sldId="256"/>
+            <ac:spMk id="26" creationId="{DAE66B1D-5815-904E-936F-1DEA78B0563B}"/>
+          </ac:spMkLst>
+        </pc:spChg>
+        <pc:spChg chg="mod">
+          <ac:chgData name="Edward Rees" userId="feb4154352fdc939" providerId="LiveId" clId="{CB8E66E4-4C5A-AF42-8003-C75EE811A9C5}" dt="2020-01-31T12:00:51.587" v="186"/>
+          <ac:spMkLst>
+            <pc:docMk/>
+            <pc:sldMk cId="1776503721" sldId="256"/>
+            <ac:spMk id="27" creationId="{98B167F6-80B8-9F4A-B085-AD5D20AA9664}"/>
+          </ac:spMkLst>
+        </pc:spChg>
+        <pc:spChg chg="mod">
+          <ac:chgData name="Edward Rees" userId="feb4154352fdc939" providerId="LiveId" clId="{CB8E66E4-4C5A-AF42-8003-C75EE811A9C5}" dt="2020-01-31T12:00:53.935" v="188"/>
+          <ac:spMkLst>
+            <pc:docMk/>
+            <pc:sldMk cId="1776503721" sldId="256"/>
+            <ac:spMk id="28" creationId="{C909394D-166D-E445-9220-79A72FAEF0F9}"/>
+          </ac:spMkLst>
+        </pc:spChg>
+        <pc:spChg chg="mod">
+          <ac:chgData name="Edward Rees" userId="feb4154352fdc939" providerId="LiveId" clId="{CB8E66E4-4C5A-AF42-8003-C75EE811A9C5}" dt="2020-01-31T12:00:57.772" v="190"/>
+          <ac:spMkLst>
+            <pc:docMk/>
+            <pc:sldMk cId="1776503721" sldId="256"/>
+            <ac:spMk id="29" creationId="{F83C20F6-D7C3-FE44-8651-D0E0FB70D1D2}"/>
+          </ac:spMkLst>
+        </pc:spChg>
+        <pc:spChg chg="mod">
+          <ac:chgData name="Edward Rees" userId="feb4154352fdc939" providerId="LiveId" clId="{CB8E66E4-4C5A-AF42-8003-C75EE811A9C5}" dt="2020-01-31T12:01:04.483" v="192"/>
+          <ac:spMkLst>
+            <pc:docMk/>
+            <pc:sldMk cId="1776503721" sldId="256"/>
+            <ac:spMk id="30" creationId="{03ADC3C3-FA61-1F49-A00D-F60C6285F2CE}"/>
+          </ac:spMkLst>
+        </pc:spChg>
+        <pc:spChg chg="mod">
+          <ac:chgData name="Edward Rees" userId="feb4154352fdc939" providerId="LiveId" clId="{CB8E66E4-4C5A-AF42-8003-C75EE811A9C5}" dt="2020-01-31T12:01:08.281" v="194"/>
+          <ac:spMkLst>
+            <pc:docMk/>
+            <pc:sldMk cId="1776503721" sldId="256"/>
+            <ac:spMk id="31" creationId="{F4E56431-800D-C24B-8967-787CAA6C3E6B}"/>
+          </ac:spMkLst>
+        </pc:spChg>
+        <pc:spChg chg="mod">
+          <ac:chgData name="Edward Rees" userId="feb4154352fdc939" providerId="LiveId" clId="{CB8E66E4-4C5A-AF42-8003-C75EE811A9C5}" dt="2020-01-31T12:01:18.171" v="196"/>
+          <ac:spMkLst>
+            <pc:docMk/>
+            <pc:sldMk cId="1776503721" sldId="256"/>
+            <ac:spMk id="32" creationId="{F8842297-02A4-6F47-BF34-ED0BF5F71CE2}"/>
+          </ac:spMkLst>
+        </pc:spChg>
+        <pc:spChg chg="mod">
+          <ac:chgData name="Edward Rees" userId="feb4154352fdc939" providerId="LiveId" clId="{CB8E66E4-4C5A-AF42-8003-C75EE811A9C5}" dt="2020-01-31T12:01:18.171" v="196"/>
+          <ac:spMkLst>
+            <pc:docMk/>
+            <pc:sldMk cId="1776503721" sldId="256"/>
+            <ac:spMk id="33" creationId="{25081948-433F-E14E-B6FC-C4B2994CF493}"/>
+          </ac:spMkLst>
+        </pc:spChg>
+        <pc:spChg chg="mod">
+          <ac:chgData name="Edward Rees" userId="feb4154352fdc939" providerId="LiveId" clId="{CB8E66E4-4C5A-AF42-8003-C75EE811A9C5}" dt="2020-01-31T12:01:18.171" v="196"/>
+          <ac:spMkLst>
+            <pc:docMk/>
+            <pc:sldMk cId="1776503721" sldId="256"/>
+            <ac:spMk id="34" creationId="{B7BBA122-E575-4541-B60E-3E4B53F25BB9}"/>
+          </ac:spMkLst>
+        </pc:spChg>
+        <pc:spChg chg="mod">
+          <ac:chgData name="Edward Rees" userId="feb4154352fdc939" providerId="LiveId" clId="{CB8E66E4-4C5A-AF42-8003-C75EE811A9C5}" dt="2020-01-31T12:01:21.199" v="198"/>
+          <ac:spMkLst>
+            <pc:docMk/>
+            <pc:sldMk cId="1776503721" sldId="256"/>
+            <ac:spMk id="35" creationId="{283BFC32-DCC5-3045-A8F9-A657B7187C26}"/>
+          </ac:spMkLst>
+        </pc:spChg>
+        <pc:spChg chg="mod">
+          <ac:chgData name="Edward Rees" userId="feb4154352fdc939" providerId="LiveId" clId="{CB8E66E4-4C5A-AF42-8003-C75EE811A9C5}" dt="2020-01-31T12:01:25.360" v="200"/>
+          <ac:spMkLst>
+            <pc:docMk/>
+            <pc:sldMk cId="1776503721" sldId="256"/>
+            <ac:spMk id="36" creationId="{681C9428-CC72-2645-9F6C-B23724F2A2C7}"/>
+          </ac:spMkLst>
+        </pc:spChg>
+        <pc:spChg chg="mod">
+          <ac:chgData name="Edward Rees" userId="feb4154352fdc939" providerId="LiveId" clId="{CB8E66E4-4C5A-AF42-8003-C75EE811A9C5}" dt="2020-01-31T12:01:28.976" v="202"/>
+          <ac:spMkLst>
+            <pc:docMk/>
+            <pc:sldMk cId="1776503721" sldId="256"/>
+            <ac:spMk id="37" creationId="{13961A64-6327-E44F-9F56-E9A5EDEFDD04}"/>
+          </ac:spMkLst>
+        </pc:spChg>
+        <pc:spChg chg="mod">
+          <ac:chgData name="Edward Rees" userId="feb4154352fdc939" providerId="LiveId" clId="{CB8E66E4-4C5A-AF42-8003-C75EE811A9C5}" dt="2020-01-31T12:01:32.279" v="204"/>
+          <ac:spMkLst>
+            <pc:docMk/>
+            <pc:sldMk cId="1776503721" sldId="256"/>
+            <ac:spMk id="38" creationId="{3330653F-B76A-FD4E-BBB4-B6427D14545F}"/>
+          </ac:spMkLst>
+        </pc:spChg>
+        <pc:spChg chg="del mod">
+          <ac:chgData name="Edward Rees" userId="feb4154352fdc939" providerId="LiveId" clId="{CB8E66E4-4C5A-AF42-8003-C75EE811A9C5}" dt="2020-01-31T12:01:51.282" v="211" actId="478"/>
+          <ac:spMkLst>
+            <pc:docMk/>
+            <pc:sldMk cId="1776503721" sldId="256"/>
+            <ac:spMk id="39" creationId="{462CB68A-6322-9149-A4B8-00F2B8471909}"/>
+          </ac:spMkLst>
+        </pc:spChg>
+        <pc:spChg chg="add del mod">
+          <ac:chgData name="Edward Rees" userId="feb4154352fdc939" providerId="LiveId" clId="{CB8E66E4-4C5A-AF42-8003-C75EE811A9C5}" dt="2020-02-03T11:28:10.567" v="263" actId="164"/>
+          <ac:spMkLst>
+            <pc:docMk/>
+            <pc:sldMk cId="1776503721" sldId="256"/>
+            <ac:spMk id="40" creationId="{9206B296-89D9-BE43-87AD-6DA5EF5761E0}"/>
+          </ac:spMkLst>
+        </pc:spChg>
+        <pc:spChg chg="add del mod">
+          <ac:chgData name="Edward Rees" userId="feb4154352fdc939" providerId="LiveId" clId="{CB8E66E4-4C5A-AF42-8003-C75EE811A9C5}" dt="2020-02-03T11:28:10.567" v="263" actId="164"/>
+          <ac:spMkLst>
+            <pc:docMk/>
+            <pc:sldMk cId="1776503721" sldId="256"/>
+            <ac:spMk id="41" creationId="{37ADF463-F7D3-CD47-93D1-42987946F2A2}"/>
+          </ac:spMkLst>
+        </pc:spChg>
+        <pc:grpChg chg="add mod">
+          <ac:chgData name="Edward Rees" userId="feb4154352fdc939" providerId="LiveId" clId="{CB8E66E4-4C5A-AF42-8003-C75EE811A9C5}" dt="2020-02-03T11:28:10.567" v="263" actId="164"/>
+          <ac:grpSpMkLst>
+            <pc:docMk/>
+            <pc:sldMk cId="1776503721" sldId="256"/>
+            <ac:grpSpMk id="2" creationId="{46F2144B-B641-9743-B9F5-0C6A0630AC07}"/>
+          </ac:grpSpMkLst>
+        </pc:grpChg>
+        <pc:grpChg chg="add mod">
+          <ac:chgData name="Edward Rees" userId="feb4154352fdc939" providerId="LiveId" clId="{CB8E66E4-4C5A-AF42-8003-C75EE811A9C5}" dt="2020-02-03T11:28:10.567" v="263" actId="164"/>
+          <ac:grpSpMkLst>
+            <pc:docMk/>
+            <pc:sldMk cId="1776503721" sldId="256"/>
+            <ac:grpSpMk id="20" creationId="{8CA018C0-6A99-0944-9828-03FE956B6758}"/>
+          </ac:grpSpMkLst>
+        </pc:grpChg>
+        <pc:grpChg chg="add mod">
+          <ac:chgData name="Edward Rees" userId="feb4154352fdc939" providerId="LiveId" clId="{CB8E66E4-4C5A-AF42-8003-C75EE811A9C5}" dt="2020-02-03T11:28:10.567" v="263" actId="164"/>
+          <ac:grpSpMkLst>
+            <pc:docMk/>
+            <pc:sldMk cId="1776503721" sldId="256"/>
+            <ac:grpSpMk id="21" creationId="{95E959F8-707F-8941-89A1-040045045292}"/>
+          </ac:grpSpMkLst>
+        </pc:grpChg>
+        <pc:cxnChg chg="mod">
+          <ac:chgData name="Edward Rees" userId="feb4154352fdc939" providerId="LiveId" clId="{CB8E66E4-4C5A-AF42-8003-C75EE811A9C5}" dt="2020-02-03T11:28:10.567" v="263" actId="164"/>
+          <ac:cxnSpMkLst>
+            <pc:docMk/>
+            <pc:sldMk cId="1776503721" sldId="256"/>
+            <ac:cxnSpMk id="8" creationId="{E72CCC6D-89D2-774B-88BE-49189309B279}"/>
+          </ac:cxnSpMkLst>
+        </pc:cxnChg>
+      </pc:sldChg>
+    </pc:docChg>
+  </pc:docChgLst>
+</pc:chgInfo>
+</file>
+
 <file path=ppt/slideLayouts/slideLayout1.xml><?xml version="1.0" encoding="utf-8"?>
 <p:sldLayout xmlns:a="http://schemas.openxmlformats.org/drawingml/2006/main" xmlns:r="http://schemas.openxmlformats.org/officeDocument/2006/relationships" xmlns:p="http://schemas.openxmlformats.org/presentationml/2006/main" type="title" preserve="1">
   <p:cSld name="Title Slide">
@@ -270,7 +635,7 @@
           <a:p>
             <a:fld id="{98A6F489-1BCF-8E45-8AD5-5598267B759C}" type="datetimeFigureOut">
               <a:rPr lang="en-GB" smtClean="0"/>
-              <a:t>10/01/2020</a:t>
+              <a:t>03/02/2020</a:t>
             </a:fld>
             <a:endParaRPr lang="en-GB"/>
           </a:p>
@@ -468,7 +833,7 @@
           <a:p>
             <a:fld id="{98A6F489-1BCF-8E45-8AD5-5598267B759C}" type="datetimeFigureOut">
               <a:rPr lang="en-GB" smtClean="0"/>
-              <a:t>10/01/2020</a:t>
+              <a:t>03/02/2020</a:t>
             </a:fld>
             <a:endParaRPr lang="en-GB"/>
           </a:p>
@@ -676,7 +1041,7 @@
           <a:p>
             <a:fld id="{98A6F489-1BCF-8E45-8AD5-5598267B759C}" type="datetimeFigureOut">
               <a:rPr lang="en-GB" smtClean="0"/>
-              <a:t>10/01/2020</a:t>
+              <a:t>03/02/2020</a:t>
             </a:fld>
             <a:endParaRPr lang="en-GB"/>
           </a:p>
@@ -874,7 +1239,7 @@
           <a:p>
             <a:fld id="{98A6F489-1BCF-8E45-8AD5-5598267B759C}" type="datetimeFigureOut">
               <a:rPr lang="en-GB" smtClean="0"/>
-              <a:t>10/01/2020</a:t>
+              <a:t>03/02/2020</a:t>
             </a:fld>
             <a:endParaRPr lang="en-GB"/>
           </a:p>
@@ -1149,7 +1514,7 @@
           <a:p>
             <a:fld id="{98A6F489-1BCF-8E45-8AD5-5598267B759C}" type="datetimeFigureOut">
               <a:rPr lang="en-GB" smtClean="0"/>
-              <a:t>10/01/2020</a:t>
+              <a:t>03/02/2020</a:t>
             </a:fld>
             <a:endParaRPr lang="en-GB"/>
           </a:p>
@@ -1414,7 +1779,7 @@
           <a:p>
             <a:fld id="{98A6F489-1BCF-8E45-8AD5-5598267B759C}" type="datetimeFigureOut">
               <a:rPr lang="en-GB" smtClean="0"/>
-              <a:t>10/01/2020</a:t>
+              <a:t>03/02/2020</a:t>
             </a:fld>
             <a:endParaRPr lang="en-GB"/>
           </a:p>
@@ -1826,7 +2191,7 @@
           <a:p>
             <a:fld id="{98A6F489-1BCF-8E45-8AD5-5598267B759C}" type="datetimeFigureOut">
               <a:rPr lang="en-GB" smtClean="0"/>
-              <a:t>10/01/2020</a:t>
+              <a:t>03/02/2020</a:t>
             </a:fld>
             <a:endParaRPr lang="en-GB"/>
           </a:p>
@@ -1967,7 +2332,7 @@
           <a:p>
             <a:fld id="{98A6F489-1BCF-8E45-8AD5-5598267B759C}" type="datetimeFigureOut">
               <a:rPr lang="en-GB" smtClean="0"/>
-              <a:t>10/01/2020</a:t>
+              <a:t>03/02/2020</a:t>
             </a:fld>
             <a:endParaRPr lang="en-GB"/>
           </a:p>
@@ -2080,7 +2445,7 @@
           <a:p>
             <a:fld id="{98A6F489-1BCF-8E45-8AD5-5598267B759C}" type="datetimeFigureOut">
               <a:rPr lang="en-GB" smtClean="0"/>
-              <a:t>10/01/2020</a:t>
+              <a:t>03/02/2020</a:t>
             </a:fld>
             <a:endParaRPr lang="en-GB"/>
           </a:p>
@@ -2391,7 +2756,7 @@
           <a:p>
             <a:fld id="{98A6F489-1BCF-8E45-8AD5-5598267B759C}" type="datetimeFigureOut">
               <a:rPr lang="en-GB" smtClean="0"/>
-              <a:t>10/01/2020</a:t>
+              <a:t>03/02/2020</a:t>
             </a:fld>
             <a:endParaRPr lang="en-GB"/>
           </a:p>
@@ -2679,7 +3044,7 @@
           <a:p>
             <a:fld id="{98A6F489-1BCF-8E45-8AD5-5598267B759C}" type="datetimeFigureOut">
               <a:rPr lang="en-GB" smtClean="0"/>
-              <a:t>10/01/2020</a:t>
+              <a:t>03/02/2020</a:t>
             </a:fld>
             <a:endParaRPr lang="en-GB"/>
           </a:p>
@@ -2920,7 +3285,7 @@
           <a:p>
             <a:fld id="{98A6F489-1BCF-8E45-8AD5-5598267B759C}" type="datetimeFigureOut">
               <a:rPr lang="en-GB" smtClean="0"/>
-              <a:t>10/01/2020</a:t>
+              <a:t>03/02/2020</a:t>
             </a:fld>
             <a:endParaRPr lang="en-GB"/>
           </a:p>
@@ -3337,246 +3702,823 @@
           <a:chExt cx="0" cy="0"/>
         </a:xfrm>
       </p:grpSpPr>
-      <p:cxnSp>
-        <p:nvCxnSpPr>
-          <p:cNvPr id="8" name="Straight Connector 7">
-            <a:extLst>
-              <a:ext uri="{FF2B5EF4-FFF2-40B4-BE49-F238E27FC236}">
-                <a16:creationId xmlns:a16="http://schemas.microsoft.com/office/drawing/2014/main" id="{E72CCC6D-89D2-774B-88BE-49189309B279}"/>
-              </a:ext>
-            </a:extLst>
-          </p:cNvPr>
-          <p:cNvCxnSpPr>
-            <a:cxnSpLocks/>
-          </p:cNvCxnSpPr>
+      <p:grpSp>
+        <p:nvGrpSpPr>
+          <p:cNvPr id="2" name="Group 1">
+            <a:extLst>
+              <a:ext uri="{FF2B5EF4-FFF2-40B4-BE49-F238E27FC236}">
+                <a16:creationId xmlns:a16="http://schemas.microsoft.com/office/drawing/2014/main" id="{46F2144B-B641-9743-B9F5-0C6A0630AC07}"/>
+              </a:ext>
+            </a:extLst>
+          </p:cNvPr>
+          <p:cNvGrpSpPr/>
           <p:nvPr/>
-        </p:nvCxnSpPr>
-        <p:spPr>
-          <a:xfrm flipV="1">
-            <a:off x="6095999" y="2236573"/>
-            <a:ext cx="0" cy="611730"/>
+        </p:nvGrpSpPr>
+        <p:grpSpPr>
+          <a:xfrm>
+            <a:off x="4062399" y="1684482"/>
+            <a:ext cx="4067204" cy="4067204"/>
+            <a:chOff x="4062399" y="1684482"/>
+            <a:chExt cx="4067204" cy="4067204"/>
           </a:xfrm>
-          <a:prstGeom prst="line">
-            <a:avLst/>
-          </a:prstGeom>
-          <a:ln w="63500"/>
-        </p:spPr>
-        <p:style>
-          <a:lnRef idx="1">
-            <a:schemeClr val="accent1"/>
-          </a:lnRef>
-          <a:fillRef idx="0">
-            <a:schemeClr val="accent1"/>
-          </a:fillRef>
-          <a:effectRef idx="0">
-            <a:schemeClr val="accent1"/>
-          </a:effectRef>
-          <a:fontRef idx="minor">
-            <a:schemeClr val="tx1"/>
-          </a:fontRef>
-        </p:style>
-      </p:cxnSp>
-      <p:sp>
-        <p:nvSpPr>
-          <p:cNvPr id="4" name="Rounded Rectangle 3">
-            <a:extLst>
-              <a:ext uri="{FF2B5EF4-FFF2-40B4-BE49-F238E27FC236}">
-                <a16:creationId xmlns:a16="http://schemas.microsoft.com/office/drawing/2014/main" id="{62143332-272A-C742-BFCF-44F5A2F5CC24}"/>
-              </a:ext>
-            </a:extLst>
-          </p:cNvPr>
-          <p:cNvSpPr/>
-          <p:nvPr/>
-        </p:nvSpPr>
-        <p:spPr>
-          <a:xfrm>
-            <a:off x="5280454" y="2848303"/>
-            <a:ext cx="1631092" cy="1315924"/>
-          </a:xfrm>
-          <a:prstGeom prst="roundRect">
-            <a:avLst/>
-          </a:prstGeom>
-          <a:ln w="152400">
+        </p:grpSpPr>
+        <p:sp>
+          <p:nvSpPr>
+            <p:cNvPr id="41" name="Freeform 40">
+              <a:extLst>
+                <a:ext uri="{FF2B5EF4-FFF2-40B4-BE49-F238E27FC236}">
+                  <a16:creationId xmlns:a16="http://schemas.microsoft.com/office/drawing/2014/main" id="{37ADF463-F7D3-CD47-93D1-42987946F2A2}"/>
+                </a:ext>
+              </a:extLst>
+            </p:cNvPr>
+            <p:cNvSpPr/>
+            <p:nvPr/>
+          </p:nvSpPr>
+          <p:spPr>
+            <a:xfrm>
+              <a:off x="4903694" y="4328984"/>
+              <a:ext cx="2384612" cy="1422702"/>
+            </a:xfrm>
+            <a:custGeom>
+              <a:avLst/>
+              <a:gdLst>
+                <a:gd name="connsiteX0" fmla="*/ 354840 w 2384612"/>
+                <a:gd name="connsiteY0" fmla="*/ 0 h 1422702"/>
+                <a:gd name="connsiteX1" fmla="*/ 2029772 w 2384612"/>
+                <a:gd name="connsiteY1" fmla="*/ 0 h 1422702"/>
+                <a:gd name="connsiteX2" fmla="*/ 2384612 w 2384612"/>
+                <a:gd name="connsiteY2" fmla="*/ 354840 h 1422702"/>
+                <a:gd name="connsiteX3" fmla="*/ 2384612 w 2384612"/>
+                <a:gd name="connsiteY3" fmla="*/ 1034043 h 1422702"/>
+                <a:gd name="connsiteX4" fmla="*/ 2329313 w 2384612"/>
+                <a:gd name="connsiteY4" fmla="*/ 1075395 h 1422702"/>
+                <a:gd name="connsiteX5" fmla="*/ 1192307 w 2384612"/>
+                <a:gd name="connsiteY5" fmla="*/ 1422702 h 1422702"/>
+                <a:gd name="connsiteX6" fmla="*/ 55301 w 2384612"/>
+                <a:gd name="connsiteY6" fmla="*/ 1075395 h 1422702"/>
+                <a:gd name="connsiteX7" fmla="*/ 0 w 2384612"/>
+                <a:gd name="connsiteY7" fmla="*/ 1034042 h 1422702"/>
+                <a:gd name="connsiteX8" fmla="*/ 0 w 2384612"/>
+                <a:gd name="connsiteY8" fmla="*/ 354840 h 1422702"/>
+                <a:gd name="connsiteX9" fmla="*/ 354840 w 2384612"/>
+                <a:gd name="connsiteY9" fmla="*/ 0 h 1422702"/>
+              </a:gdLst>
+              <a:ahLst/>
+              <a:cxnLst>
+                <a:cxn ang="0">
+                  <a:pos x="connsiteX0" y="connsiteY0"/>
+                </a:cxn>
+                <a:cxn ang="0">
+                  <a:pos x="connsiteX1" y="connsiteY1"/>
+                </a:cxn>
+                <a:cxn ang="0">
+                  <a:pos x="connsiteX2" y="connsiteY2"/>
+                </a:cxn>
+                <a:cxn ang="0">
+                  <a:pos x="connsiteX3" y="connsiteY3"/>
+                </a:cxn>
+                <a:cxn ang="0">
+                  <a:pos x="connsiteX4" y="connsiteY4"/>
+                </a:cxn>
+                <a:cxn ang="0">
+                  <a:pos x="connsiteX5" y="connsiteY5"/>
+                </a:cxn>
+                <a:cxn ang="0">
+                  <a:pos x="connsiteX6" y="connsiteY6"/>
+                </a:cxn>
+                <a:cxn ang="0">
+                  <a:pos x="connsiteX7" y="connsiteY7"/>
+                </a:cxn>
+                <a:cxn ang="0">
+                  <a:pos x="connsiteX8" y="connsiteY8"/>
+                </a:cxn>
+                <a:cxn ang="0">
+                  <a:pos x="connsiteX9" y="connsiteY9"/>
+                </a:cxn>
+              </a:cxnLst>
+              <a:rect l="l" t="t" r="r" b="b"/>
+              <a:pathLst>
+                <a:path w="2384612" h="1422702">
+                  <a:moveTo>
+                    <a:pt x="354840" y="0"/>
+                  </a:moveTo>
+                  <a:lnTo>
+                    <a:pt x="2029772" y="0"/>
+                  </a:lnTo>
+                  <a:cubicBezTo>
+                    <a:pt x="2225745" y="0"/>
+                    <a:pt x="2384612" y="158867"/>
+                    <a:pt x="2384612" y="354840"/>
+                  </a:cubicBezTo>
+                  <a:lnTo>
+                    <a:pt x="2384612" y="1034043"/>
+                  </a:lnTo>
+                  <a:lnTo>
+                    <a:pt x="2329313" y="1075395"/>
+                  </a:lnTo>
+                  <a:cubicBezTo>
+                    <a:pt x="2004748" y="1294667"/>
+                    <a:pt x="1613480" y="1422702"/>
+                    <a:pt x="1192307" y="1422702"/>
+                  </a:cubicBezTo>
+                  <a:cubicBezTo>
+                    <a:pt x="771135" y="1422702"/>
+                    <a:pt x="379866" y="1294667"/>
+                    <a:pt x="55301" y="1075395"/>
+                  </a:cubicBezTo>
+                  <a:lnTo>
+                    <a:pt x="0" y="1034042"/>
+                  </a:lnTo>
+                  <a:lnTo>
+                    <a:pt x="0" y="354840"/>
+                  </a:lnTo>
+                  <a:cubicBezTo>
+                    <a:pt x="0" y="158867"/>
+                    <a:pt x="158867" y="0"/>
+                    <a:pt x="354840" y="0"/>
+                  </a:cubicBezTo>
+                  <a:close/>
+                </a:path>
+              </a:pathLst>
+            </a:custGeom>
             <a:solidFill>
-              <a:schemeClr val="bg2">
-                <a:lumMod val="50000"/>
+              <a:srgbClr val="C1D8E9"/>
+            </a:solidFill>
+            <a:ln w="76200">
+              <a:solidFill>
+                <a:srgbClr val="00399B"/>
+              </a:solidFill>
+            </a:ln>
+          </p:spPr>
+          <p:style>
+            <a:lnRef idx="2">
+              <a:schemeClr val="accent1">
+                <a:shade val="50000"/>
+              </a:schemeClr>
+            </a:lnRef>
+            <a:fillRef idx="1">
+              <a:schemeClr val="accent1"/>
+            </a:fillRef>
+            <a:effectRef idx="0">
+              <a:schemeClr val="accent1"/>
+            </a:effectRef>
+            <a:fontRef idx="minor">
+              <a:schemeClr val="lt1"/>
+            </a:fontRef>
+          </p:style>
+          <p:txBody>
+            <a:bodyPr wrap="square" rtlCol="0" anchor="ctr">
+              <a:noAutofit/>
+            </a:bodyPr>
+            <a:lstStyle/>
+            <a:p>
+              <a:pPr algn="ctr"/>
+              <a:endParaRPr lang="en-GB"/>
+            </a:p>
+          </p:txBody>
+        </p:sp>
+        <p:sp>
+          <p:nvSpPr>
+            <p:cNvPr id="40" name="Freeform 39">
+              <a:extLst>
+                <a:ext uri="{FF2B5EF4-FFF2-40B4-BE49-F238E27FC236}">
+                  <a16:creationId xmlns:a16="http://schemas.microsoft.com/office/drawing/2014/main" id="{9206B296-89D9-BE43-87AD-6DA5EF5761E0}"/>
+                </a:ext>
+              </a:extLst>
+            </p:cNvPr>
+            <p:cNvSpPr/>
+            <p:nvPr/>
+          </p:nvSpPr>
+          <p:spPr>
+            <a:xfrm>
+              <a:off x="4062399" y="1684482"/>
+              <a:ext cx="4067204" cy="3678545"/>
+            </a:xfrm>
+            <a:custGeom>
+              <a:avLst/>
+              <a:gdLst>
+                <a:gd name="connsiteX0" fmla="*/ 2033602 w 4067204"/>
+                <a:gd name="connsiteY0" fmla="*/ 0 h 3678545"/>
+                <a:gd name="connsiteX1" fmla="*/ 4067204 w 4067204"/>
+                <a:gd name="connsiteY1" fmla="*/ 2033602 h 3678545"/>
+                <a:gd name="connsiteX2" fmla="*/ 3327162 w 4067204"/>
+                <a:gd name="connsiteY2" fmla="*/ 3602828 h 3678545"/>
+                <a:gd name="connsiteX3" fmla="*/ 3225907 w 4067204"/>
+                <a:gd name="connsiteY3" fmla="*/ 3678545 h 3678545"/>
+                <a:gd name="connsiteX4" fmla="*/ 3225907 w 4067204"/>
+                <a:gd name="connsiteY4" fmla="*/ 2999342 h 3678545"/>
+                <a:gd name="connsiteX5" fmla="*/ 2871067 w 4067204"/>
+                <a:gd name="connsiteY5" fmla="*/ 2644502 h 3678545"/>
+                <a:gd name="connsiteX6" fmla="*/ 1196135 w 4067204"/>
+                <a:gd name="connsiteY6" fmla="*/ 2644502 h 3678545"/>
+                <a:gd name="connsiteX7" fmla="*/ 841295 w 4067204"/>
+                <a:gd name="connsiteY7" fmla="*/ 2999342 h 3678545"/>
+                <a:gd name="connsiteX8" fmla="*/ 841295 w 4067204"/>
+                <a:gd name="connsiteY8" fmla="*/ 3678544 h 3678545"/>
+                <a:gd name="connsiteX9" fmla="*/ 740042 w 4067204"/>
+                <a:gd name="connsiteY9" fmla="*/ 3602828 h 3678545"/>
+                <a:gd name="connsiteX10" fmla="*/ 0 w 4067204"/>
+                <a:gd name="connsiteY10" fmla="*/ 2033602 h 3678545"/>
+                <a:gd name="connsiteX11" fmla="*/ 2033602 w 4067204"/>
+                <a:gd name="connsiteY11" fmla="*/ 0 h 3678545"/>
+              </a:gdLst>
+              <a:ahLst/>
+              <a:cxnLst>
+                <a:cxn ang="0">
+                  <a:pos x="connsiteX0" y="connsiteY0"/>
+                </a:cxn>
+                <a:cxn ang="0">
+                  <a:pos x="connsiteX1" y="connsiteY1"/>
+                </a:cxn>
+                <a:cxn ang="0">
+                  <a:pos x="connsiteX2" y="connsiteY2"/>
+                </a:cxn>
+                <a:cxn ang="0">
+                  <a:pos x="connsiteX3" y="connsiteY3"/>
+                </a:cxn>
+                <a:cxn ang="0">
+                  <a:pos x="connsiteX4" y="connsiteY4"/>
+                </a:cxn>
+                <a:cxn ang="0">
+                  <a:pos x="connsiteX5" y="connsiteY5"/>
+                </a:cxn>
+                <a:cxn ang="0">
+                  <a:pos x="connsiteX6" y="connsiteY6"/>
+                </a:cxn>
+                <a:cxn ang="0">
+                  <a:pos x="connsiteX7" y="connsiteY7"/>
+                </a:cxn>
+                <a:cxn ang="0">
+                  <a:pos x="connsiteX8" y="connsiteY8"/>
+                </a:cxn>
+                <a:cxn ang="0">
+                  <a:pos x="connsiteX9" y="connsiteY9"/>
+                </a:cxn>
+                <a:cxn ang="0">
+                  <a:pos x="connsiteX10" y="connsiteY10"/>
+                </a:cxn>
+                <a:cxn ang="0">
+                  <a:pos x="connsiteX11" y="connsiteY11"/>
+                </a:cxn>
+              </a:cxnLst>
+              <a:rect l="l" t="t" r="r" b="b"/>
+              <a:pathLst>
+                <a:path w="4067204" h="3678545">
+                  <a:moveTo>
+                    <a:pt x="2033602" y="0"/>
+                  </a:moveTo>
+                  <a:cubicBezTo>
+                    <a:pt x="3156729" y="0"/>
+                    <a:pt x="4067204" y="910475"/>
+                    <a:pt x="4067204" y="2033602"/>
+                  </a:cubicBezTo>
+                  <a:cubicBezTo>
+                    <a:pt x="4067204" y="2665361"/>
+                    <a:pt x="3779124" y="3229836"/>
+                    <a:pt x="3327162" y="3602828"/>
+                  </a:cubicBezTo>
+                  <a:lnTo>
+                    <a:pt x="3225907" y="3678545"/>
+                  </a:lnTo>
+                  <a:lnTo>
+                    <a:pt x="3225907" y="2999342"/>
+                  </a:lnTo>
+                  <a:cubicBezTo>
+                    <a:pt x="3225907" y="2803369"/>
+                    <a:pt x="3067040" y="2644502"/>
+                    <a:pt x="2871067" y="2644502"/>
+                  </a:cubicBezTo>
+                  <a:lnTo>
+                    <a:pt x="1196135" y="2644502"/>
+                  </a:lnTo>
+                  <a:cubicBezTo>
+                    <a:pt x="1000162" y="2644502"/>
+                    <a:pt x="841295" y="2803369"/>
+                    <a:pt x="841295" y="2999342"/>
+                  </a:cubicBezTo>
+                  <a:lnTo>
+                    <a:pt x="841295" y="3678544"/>
+                  </a:lnTo>
+                  <a:lnTo>
+                    <a:pt x="740042" y="3602828"/>
+                  </a:lnTo>
+                  <a:cubicBezTo>
+                    <a:pt x="288080" y="3229836"/>
+                    <a:pt x="0" y="2665361"/>
+                    <a:pt x="0" y="2033602"/>
+                  </a:cubicBezTo>
+                  <a:cubicBezTo>
+                    <a:pt x="0" y="910475"/>
+                    <a:pt x="910475" y="0"/>
+                    <a:pt x="2033602" y="0"/>
+                  </a:cubicBezTo>
+                  <a:close/>
+                </a:path>
+              </a:pathLst>
+            </a:custGeom>
+            <a:solidFill>
+              <a:schemeClr val="bg1">
+                <a:lumMod val="95000"/>
               </a:schemeClr>
             </a:solidFill>
-          </a:ln>
-        </p:spPr>
-        <p:style>
-          <a:lnRef idx="2">
-            <a:schemeClr val="accent1">
-              <a:shade val="50000"/>
-            </a:schemeClr>
-          </a:lnRef>
-          <a:fillRef idx="1">
-            <a:schemeClr val="accent1"/>
-          </a:fillRef>
-          <a:effectRef idx="0">
-            <a:schemeClr val="accent1"/>
-          </a:effectRef>
-          <a:fontRef idx="minor">
-            <a:schemeClr val="lt1"/>
-          </a:fontRef>
-        </p:style>
-        <p:txBody>
-          <a:bodyPr rtlCol="0" anchor="ctr"/>
-          <a:lstStyle/>
-          <a:p>
-            <a:pPr algn="ctr"/>
-            <a:endParaRPr lang="en-GB"/>
-          </a:p>
-        </p:txBody>
-      </p:sp>
-      <p:sp>
-        <p:nvSpPr>
-          <p:cNvPr id="5" name="Oval 4">
-            <a:extLst>
-              <a:ext uri="{FF2B5EF4-FFF2-40B4-BE49-F238E27FC236}">
-                <a16:creationId xmlns:a16="http://schemas.microsoft.com/office/drawing/2014/main" id="{D89829C8-2516-E540-9C01-D20849E71B5C}"/>
-              </a:ext>
-            </a:extLst>
-          </p:cNvPr>
-          <p:cNvSpPr/>
-          <p:nvPr/>
-        </p:nvSpPr>
-        <p:spPr>
-          <a:xfrm>
-            <a:off x="5559972" y="3159424"/>
-            <a:ext cx="346841" cy="346841"/>
-          </a:xfrm>
-          <a:prstGeom prst="ellipse">
-            <a:avLst/>
-          </a:prstGeom>
-          <a:solidFill>
-            <a:schemeClr val="bg1">
-              <a:lumMod val="65000"/>
-            </a:schemeClr>
-          </a:solidFill>
-        </p:spPr>
-        <p:style>
-          <a:lnRef idx="2">
-            <a:schemeClr val="accent1">
-              <a:shade val="50000"/>
-            </a:schemeClr>
-          </a:lnRef>
-          <a:fillRef idx="1">
-            <a:schemeClr val="accent1"/>
-          </a:fillRef>
-          <a:effectRef idx="0">
-            <a:schemeClr val="accent1"/>
-          </a:effectRef>
-          <a:fontRef idx="minor">
-            <a:schemeClr val="lt1"/>
-          </a:fontRef>
-        </p:style>
-        <p:txBody>
-          <a:bodyPr rtlCol="0" anchor="ctr"/>
-          <a:lstStyle/>
-          <a:p>
-            <a:pPr algn="ctr"/>
-            <a:endParaRPr lang="en-GB"/>
-          </a:p>
-        </p:txBody>
-      </p:sp>
-      <p:sp>
-        <p:nvSpPr>
-          <p:cNvPr id="6" name="Oval 5">
-            <a:extLst>
-              <a:ext uri="{FF2B5EF4-FFF2-40B4-BE49-F238E27FC236}">
-                <a16:creationId xmlns:a16="http://schemas.microsoft.com/office/drawing/2014/main" id="{12A76315-93AA-3C48-AAA0-F4BB10331B84}"/>
-              </a:ext>
-            </a:extLst>
-          </p:cNvPr>
-          <p:cNvSpPr/>
-          <p:nvPr/>
-        </p:nvSpPr>
-        <p:spPr>
-          <a:xfrm>
-            <a:off x="6285189" y="3159424"/>
-            <a:ext cx="346841" cy="346841"/>
-          </a:xfrm>
-          <a:prstGeom prst="ellipse">
-            <a:avLst/>
-          </a:prstGeom>
-          <a:solidFill>
-            <a:schemeClr val="bg1">
-              <a:lumMod val="65000"/>
-            </a:schemeClr>
-          </a:solidFill>
-        </p:spPr>
-        <p:style>
-          <a:lnRef idx="2">
-            <a:schemeClr val="accent1">
-              <a:shade val="50000"/>
-            </a:schemeClr>
-          </a:lnRef>
-          <a:fillRef idx="1">
-            <a:schemeClr val="accent1"/>
-          </a:fillRef>
-          <a:effectRef idx="0">
-            <a:schemeClr val="accent1"/>
-          </a:effectRef>
-          <a:fontRef idx="minor">
-            <a:schemeClr val="lt1"/>
-          </a:fontRef>
-        </p:style>
-        <p:txBody>
-          <a:bodyPr rtlCol="0" anchor="ctr"/>
-          <a:lstStyle/>
-          <a:p>
-            <a:pPr algn="ctr"/>
-            <a:endParaRPr lang="en-GB"/>
-          </a:p>
-        </p:txBody>
-      </p:sp>
-      <p:sp>
-        <p:nvSpPr>
-          <p:cNvPr id="9" name="Oval 8">
-            <a:extLst>
-              <a:ext uri="{FF2B5EF4-FFF2-40B4-BE49-F238E27FC236}">
-                <a16:creationId xmlns:a16="http://schemas.microsoft.com/office/drawing/2014/main" id="{0EA5864A-0165-2B42-9807-BA1DACE28304}"/>
-              </a:ext>
-            </a:extLst>
-          </p:cNvPr>
-          <p:cNvSpPr/>
-          <p:nvPr/>
-        </p:nvSpPr>
-        <p:spPr>
-          <a:xfrm>
-            <a:off x="6001406" y="2047386"/>
-            <a:ext cx="189187" cy="189187"/>
-          </a:xfrm>
-          <a:prstGeom prst="ellipse">
-            <a:avLst/>
-          </a:prstGeom>
-        </p:spPr>
-        <p:style>
-          <a:lnRef idx="2">
-            <a:schemeClr val="accent1">
-              <a:shade val="50000"/>
-            </a:schemeClr>
-          </a:lnRef>
-          <a:fillRef idx="1">
-            <a:schemeClr val="accent1"/>
-          </a:fillRef>
-          <a:effectRef idx="0">
-            <a:schemeClr val="accent1"/>
-          </a:effectRef>
-          <a:fontRef idx="minor">
-            <a:schemeClr val="lt1"/>
-          </a:fontRef>
-        </p:style>
-        <p:txBody>
-          <a:bodyPr rtlCol="0" anchor="ctr"/>
-          <a:lstStyle/>
-          <a:p>
-            <a:pPr algn="ctr"/>
-            <a:endParaRPr lang="en-GB"/>
-          </a:p>
-        </p:txBody>
-      </p:sp>
+            <a:ln w="76200">
+              <a:solidFill>
+                <a:srgbClr val="00399B"/>
+              </a:solidFill>
+            </a:ln>
+          </p:spPr>
+          <p:style>
+            <a:lnRef idx="2">
+              <a:schemeClr val="accent1">
+                <a:shade val="50000"/>
+              </a:schemeClr>
+            </a:lnRef>
+            <a:fillRef idx="1">
+              <a:schemeClr val="accent1"/>
+            </a:fillRef>
+            <a:effectRef idx="0">
+              <a:schemeClr val="accent1"/>
+            </a:effectRef>
+            <a:fontRef idx="minor">
+              <a:schemeClr val="lt1"/>
+            </a:fontRef>
+          </p:style>
+          <p:txBody>
+            <a:bodyPr wrap="square" rtlCol="0" anchor="ctr">
+              <a:noAutofit/>
+            </a:bodyPr>
+            <a:lstStyle/>
+            <a:p>
+              <a:pPr algn="ctr"/>
+              <a:endParaRPr lang="en-GB"/>
+            </a:p>
+          </p:txBody>
+        </p:sp>
+        <p:cxnSp>
+          <p:nvCxnSpPr>
+            <p:cNvPr id="8" name="Straight Connector 7">
+              <a:extLst>
+                <a:ext uri="{FF2B5EF4-FFF2-40B4-BE49-F238E27FC236}">
+                  <a16:creationId xmlns:a16="http://schemas.microsoft.com/office/drawing/2014/main" id="{E72CCC6D-89D2-774B-88BE-49189309B279}"/>
+                </a:ext>
+              </a:extLst>
+            </p:cNvPr>
+            <p:cNvCxnSpPr>
+              <a:cxnSpLocks/>
+            </p:cNvCxnSpPr>
+            <p:nvPr/>
+          </p:nvCxnSpPr>
+          <p:spPr>
+            <a:xfrm flipV="1">
+              <a:off x="6096000" y="2236573"/>
+              <a:ext cx="0" cy="611730"/>
+            </a:xfrm>
+            <a:prstGeom prst="line">
+              <a:avLst/>
+            </a:prstGeom>
+            <a:ln w="63500">
+              <a:solidFill>
+                <a:srgbClr val="00399B"/>
+              </a:solidFill>
+            </a:ln>
+          </p:spPr>
+          <p:style>
+            <a:lnRef idx="1">
+              <a:schemeClr val="accent1"/>
+            </a:lnRef>
+            <a:fillRef idx="0">
+              <a:schemeClr val="accent1"/>
+            </a:fillRef>
+            <a:effectRef idx="0">
+              <a:schemeClr val="accent1"/>
+            </a:effectRef>
+            <a:fontRef idx="minor">
+              <a:schemeClr val="tx1"/>
+            </a:fontRef>
+          </p:style>
+        </p:cxnSp>
+        <p:grpSp>
+          <p:nvGrpSpPr>
+            <p:cNvPr id="21" name="Group 20">
+              <a:extLst>
+                <a:ext uri="{FF2B5EF4-FFF2-40B4-BE49-F238E27FC236}">
+                  <a16:creationId xmlns:a16="http://schemas.microsoft.com/office/drawing/2014/main" id="{95E959F8-707F-8941-89A1-040045045292}"/>
+                </a:ext>
+              </a:extLst>
+            </p:cNvPr>
+            <p:cNvGrpSpPr/>
+            <p:nvPr/>
+          </p:nvGrpSpPr>
+          <p:grpSpPr>
+            <a:xfrm>
+              <a:off x="5068667" y="3379730"/>
+              <a:ext cx="2054666" cy="348344"/>
+              <a:chOff x="5068667" y="3379730"/>
+              <a:chExt cx="2054666" cy="348344"/>
+            </a:xfrm>
+          </p:grpSpPr>
+          <p:sp>
+            <p:nvSpPr>
+              <p:cNvPr id="15" name="Oval 14">
+                <a:extLst>
+                  <a:ext uri="{FF2B5EF4-FFF2-40B4-BE49-F238E27FC236}">
+                    <a16:creationId xmlns:a16="http://schemas.microsoft.com/office/drawing/2014/main" id="{F0E176B1-31F2-C646-8D4F-1B95620ED5AB}"/>
+                  </a:ext>
+                </a:extLst>
+              </p:cNvPr>
+              <p:cNvSpPr/>
+              <p:nvPr/>
+            </p:nvSpPr>
+            <p:spPr>
+              <a:xfrm>
+                <a:off x="5068667" y="3379730"/>
+                <a:ext cx="348344" cy="348344"/>
+              </a:xfrm>
+              <a:prstGeom prst="ellipse">
+                <a:avLst/>
+              </a:prstGeom>
+              <a:solidFill>
+                <a:srgbClr val="C1D8E9"/>
+              </a:solidFill>
+              <a:ln w="38100">
+                <a:solidFill>
+                  <a:srgbClr val="00399B"/>
+                </a:solidFill>
+              </a:ln>
+            </p:spPr>
+            <p:style>
+              <a:lnRef idx="2">
+                <a:schemeClr val="accent1">
+                  <a:shade val="50000"/>
+                </a:schemeClr>
+              </a:lnRef>
+              <a:fillRef idx="1">
+                <a:schemeClr val="accent1"/>
+              </a:fillRef>
+              <a:effectRef idx="0">
+                <a:schemeClr val="accent1"/>
+              </a:effectRef>
+              <a:fontRef idx="minor">
+                <a:schemeClr val="lt1"/>
+              </a:fontRef>
+            </p:style>
+            <p:txBody>
+              <a:bodyPr rtlCol="0" anchor="ctr"/>
+              <a:lstStyle/>
+              <a:p>
+                <a:pPr algn="ctr"/>
+                <a:endParaRPr lang="en-GB"/>
+              </a:p>
+            </p:txBody>
+          </p:sp>
+          <p:sp>
+            <p:nvSpPr>
+              <p:cNvPr id="16" name="Oval 15">
+                <a:extLst>
+                  <a:ext uri="{FF2B5EF4-FFF2-40B4-BE49-F238E27FC236}">
+                    <a16:creationId xmlns:a16="http://schemas.microsoft.com/office/drawing/2014/main" id="{C8C226C6-728B-5749-A049-671783CD4DFF}"/>
+                  </a:ext>
+                </a:extLst>
+              </p:cNvPr>
+              <p:cNvSpPr/>
+              <p:nvPr/>
+            </p:nvSpPr>
+            <p:spPr>
+              <a:xfrm>
+                <a:off x="6774989" y="3379730"/>
+                <a:ext cx="348344" cy="348344"/>
+              </a:xfrm>
+              <a:prstGeom prst="ellipse">
+                <a:avLst/>
+              </a:prstGeom>
+              <a:solidFill>
+                <a:srgbClr val="C1D8E9"/>
+              </a:solidFill>
+              <a:ln w="38100">
+                <a:solidFill>
+                  <a:srgbClr val="00399B"/>
+                </a:solidFill>
+              </a:ln>
+            </p:spPr>
+            <p:style>
+              <a:lnRef idx="2">
+                <a:schemeClr val="accent1">
+                  <a:shade val="50000"/>
+                </a:schemeClr>
+              </a:lnRef>
+              <a:fillRef idx="1">
+                <a:schemeClr val="accent1"/>
+              </a:fillRef>
+              <a:effectRef idx="0">
+                <a:schemeClr val="accent1"/>
+              </a:effectRef>
+              <a:fontRef idx="minor">
+                <a:schemeClr val="lt1"/>
+              </a:fontRef>
+            </p:style>
+            <p:txBody>
+              <a:bodyPr rtlCol="0" anchor="ctr"/>
+              <a:lstStyle/>
+              <a:p>
+                <a:pPr algn="ctr"/>
+                <a:endParaRPr lang="en-GB"/>
+              </a:p>
+            </p:txBody>
+          </p:sp>
+        </p:grpSp>
+        <p:sp>
+          <p:nvSpPr>
+            <p:cNvPr id="4" name="Rounded Rectangle 3">
+              <a:extLst>
+                <a:ext uri="{FF2B5EF4-FFF2-40B4-BE49-F238E27FC236}">
+                  <a16:creationId xmlns:a16="http://schemas.microsoft.com/office/drawing/2014/main" id="{62143332-272A-C742-BFCF-44F5A2F5CC24}"/>
+                </a:ext>
+              </a:extLst>
+            </p:cNvPr>
+            <p:cNvSpPr/>
+            <p:nvPr/>
+          </p:nvSpPr>
+          <p:spPr>
+            <a:xfrm>
+              <a:off x="5280454" y="2848303"/>
+              <a:ext cx="1631092" cy="1315924"/>
+            </a:xfrm>
+            <a:prstGeom prst="roundRect">
+              <a:avLst/>
+            </a:prstGeom>
+            <a:solidFill>
+              <a:srgbClr val="C1D8E9"/>
+            </a:solidFill>
+            <a:ln w="76200">
+              <a:solidFill>
+                <a:srgbClr val="00399B"/>
+              </a:solidFill>
+            </a:ln>
+          </p:spPr>
+          <p:style>
+            <a:lnRef idx="2">
+              <a:schemeClr val="accent1">
+                <a:shade val="50000"/>
+              </a:schemeClr>
+            </a:lnRef>
+            <a:fillRef idx="1">
+              <a:schemeClr val="accent1"/>
+            </a:fillRef>
+            <a:effectRef idx="0">
+              <a:schemeClr val="accent1"/>
+            </a:effectRef>
+            <a:fontRef idx="minor">
+              <a:schemeClr val="lt1"/>
+            </a:fontRef>
+          </p:style>
+          <p:txBody>
+            <a:bodyPr rtlCol="0" anchor="ctr"/>
+            <a:lstStyle/>
+            <a:p>
+              <a:pPr algn="ctr"/>
+              <a:endParaRPr lang="en-GB"/>
+            </a:p>
+          </p:txBody>
+        </p:sp>
+        <p:grpSp>
+          <p:nvGrpSpPr>
+            <p:cNvPr id="20" name="Group 19">
+              <a:extLst>
+                <a:ext uri="{FF2B5EF4-FFF2-40B4-BE49-F238E27FC236}">
+                  <a16:creationId xmlns:a16="http://schemas.microsoft.com/office/drawing/2014/main" id="{8CA018C0-6A99-0944-9828-03FE956B6758}"/>
+                </a:ext>
+              </a:extLst>
+            </p:cNvPr>
+            <p:cNvGrpSpPr/>
+            <p:nvPr/>
+          </p:nvGrpSpPr>
+          <p:grpSpPr>
+            <a:xfrm>
+              <a:off x="5559972" y="3159424"/>
+              <a:ext cx="1072058" cy="346841"/>
+              <a:chOff x="5559972" y="3159424"/>
+              <a:chExt cx="1072058" cy="346841"/>
+            </a:xfrm>
+          </p:grpSpPr>
+          <p:sp>
+            <p:nvSpPr>
+              <p:cNvPr id="5" name="Oval 4">
+                <a:extLst>
+                  <a:ext uri="{FF2B5EF4-FFF2-40B4-BE49-F238E27FC236}">
+                    <a16:creationId xmlns:a16="http://schemas.microsoft.com/office/drawing/2014/main" id="{D89829C8-2516-E540-9C01-D20849E71B5C}"/>
+                  </a:ext>
+                </a:extLst>
+              </p:cNvPr>
+              <p:cNvSpPr/>
+              <p:nvPr/>
+            </p:nvSpPr>
+            <p:spPr>
+              <a:xfrm>
+                <a:off x="5559972" y="3159424"/>
+                <a:ext cx="346841" cy="346841"/>
+              </a:xfrm>
+              <a:prstGeom prst="ellipse">
+                <a:avLst/>
+              </a:prstGeom>
+              <a:solidFill>
+                <a:schemeClr val="bg1"/>
+              </a:solidFill>
+              <a:ln w="38100">
+                <a:solidFill>
+                  <a:srgbClr val="00399B"/>
+                </a:solidFill>
+              </a:ln>
+            </p:spPr>
+            <p:style>
+              <a:lnRef idx="2">
+                <a:schemeClr val="accent1">
+                  <a:shade val="50000"/>
+                </a:schemeClr>
+              </a:lnRef>
+              <a:fillRef idx="1">
+                <a:schemeClr val="accent1"/>
+              </a:fillRef>
+              <a:effectRef idx="0">
+                <a:schemeClr val="accent1"/>
+              </a:effectRef>
+              <a:fontRef idx="minor">
+                <a:schemeClr val="lt1"/>
+              </a:fontRef>
+            </p:style>
+            <p:txBody>
+              <a:bodyPr rtlCol="0" anchor="ctr"/>
+              <a:lstStyle/>
+              <a:p>
+                <a:pPr algn="ctr"/>
+                <a:endParaRPr lang="en-GB"/>
+              </a:p>
+            </p:txBody>
+          </p:sp>
+          <p:sp>
+            <p:nvSpPr>
+              <p:cNvPr id="6" name="Oval 5">
+                <a:extLst>
+                  <a:ext uri="{FF2B5EF4-FFF2-40B4-BE49-F238E27FC236}">
+                    <a16:creationId xmlns:a16="http://schemas.microsoft.com/office/drawing/2014/main" id="{12A76315-93AA-3C48-AAA0-F4BB10331B84}"/>
+                  </a:ext>
+                </a:extLst>
+              </p:cNvPr>
+              <p:cNvSpPr/>
+              <p:nvPr/>
+            </p:nvSpPr>
+            <p:spPr>
+              <a:xfrm>
+                <a:off x="6285189" y="3159424"/>
+                <a:ext cx="346841" cy="346841"/>
+              </a:xfrm>
+              <a:prstGeom prst="ellipse">
+                <a:avLst/>
+              </a:prstGeom>
+              <a:solidFill>
+                <a:schemeClr val="bg1"/>
+              </a:solidFill>
+              <a:ln w="38100">
+                <a:solidFill>
+                  <a:srgbClr val="00399B"/>
+                </a:solidFill>
+              </a:ln>
+            </p:spPr>
+            <p:style>
+              <a:lnRef idx="2">
+                <a:schemeClr val="accent1">
+                  <a:shade val="50000"/>
+                </a:schemeClr>
+              </a:lnRef>
+              <a:fillRef idx="1">
+                <a:schemeClr val="accent1"/>
+              </a:fillRef>
+              <a:effectRef idx="0">
+                <a:schemeClr val="accent1"/>
+              </a:effectRef>
+              <a:fontRef idx="minor">
+                <a:schemeClr val="lt1"/>
+              </a:fontRef>
+            </p:style>
+            <p:txBody>
+              <a:bodyPr rtlCol="0" anchor="ctr"/>
+              <a:lstStyle/>
+              <a:p>
+                <a:pPr algn="ctr"/>
+                <a:endParaRPr lang="en-GB"/>
+              </a:p>
+            </p:txBody>
+          </p:sp>
+        </p:grpSp>
+        <p:sp>
+          <p:nvSpPr>
+            <p:cNvPr id="9" name="Oval 8">
+              <a:extLst>
+                <a:ext uri="{FF2B5EF4-FFF2-40B4-BE49-F238E27FC236}">
+                  <a16:creationId xmlns:a16="http://schemas.microsoft.com/office/drawing/2014/main" id="{0EA5864A-0165-2B42-9807-BA1DACE28304}"/>
+                </a:ext>
+              </a:extLst>
+            </p:cNvPr>
+            <p:cNvSpPr/>
+            <p:nvPr/>
+          </p:nvSpPr>
+          <p:spPr>
+            <a:xfrm>
+              <a:off x="6001407" y="2047386"/>
+              <a:ext cx="189187" cy="189187"/>
+            </a:xfrm>
+            <a:prstGeom prst="ellipse">
+              <a:avLst/>
+            </a:prstGeom>
+            <a:solidFill>
+              <a:srgbClr val="EA5869"/>
+            </a:solidFill>
+            <a:ln>
+              <a:noFill/>
+            </a:ln>
+          </p:spPr>
+          <p:style>
+            <a:lnRef idx="2">
+              <a:schemeClr val="accent1">
+                <a:shade val="50000"/>
+              </a:schemeClr>
+            </a:lnRef>
+            <a:fillRef idx="1">
+              <a:schemeClr val="accent1"/>
+            </a:fillRef>
+            <a:effectRef idx="0">
+              <a:schemeClr val="accent1"/>
+            </a:effectRef>
+            <a:fontRef idx="minor">
+              <a:schemeClr val="lt1"/>
+            </a:fontRef>
+          </p:style>
+          <p:txBody>
+            <a:bodyPr rtlCol="0" anchor="ctr"/>
+            <a:lstStyle/>
+            <a:p>
+              <a:pPr algn="ctr"/>
+              <a:endParaRPr lang="en-GB"/>
+            </a:p>
+          </p:txBody>
+        </p:sp>
+        <p:sp>
+          <p:nvSpPr>
+            <p:cNvPr id="13" name="Chord 12">
+              <a:extLst>
+                <a:ext uri="{FF2B5EF4-FFF2-40B4-BE49-F238E27FC236}">
+                  <a16:creationId xmlns:a16="http://schemas.microsoft.com/office/drawing/2014/main" id="{78DCB3FB-C440-3E43-93F5-1EC1ABEC180E}"/>
+                </a:ext>
+              </a:extLst>
+            </p:cNvPr>
+            <p:cNvSpPr/>
+            <p:nvPr/>
+          </p:nvSpPr>
+          <p:spPr>
+            <a:xfrm>
+              <a:off x="5845894" y="3399784"/>
+              <a:ext cx="500212" cy="562911"/>
+            </a:xfrm>
+            <a:prstGeom prst="chord">
+              <a:avLst>
+                <a:gd name="adj1" fmla="val 1211482"/>
+                <a:gd name="adj2" fmla="val 9587399"/>
+              </a:avLst>
+            </a:prstGeom>
+            <a:solidFill>
+              <a:schemeClr val="bg1"/>
+            </a:solidFill>
+            <a:ln w="38100">
+              <a:solidFill>
+                <a:srgbClr val="00399B"/>
+              </a:solidFill>
+            </a:ln>
+          </p:spPr>
+          <p:style>
+            <a:lnRef idx="2">
+              <a:schemeClr val="accent1">
+                <a:shade val="50000"/>
+              </a:schemeClr>
+            </a:lnRef>
+            <a:fillRef idx="1">
+              <a:schemeClr val="accent1"/>
+            </a:fillRef>
+            <a:effectRef idx="0">
+              <a:schemeClr val="accent1"/>
+            </a:effectRef>
+            <a:fontRef idx="minor">
+              <a:schemeClr val="lt1"/>
+            </a:fontRef>
+          </p:style>
+          <p:txBody>
+            <a:bodyPr rtlCol="0" anchor="ctr"/>
+            <a:lstStyle/>
+            <a:p>
+              <a:pPr algn="ctr"/>
+              <a:endParaRPr lang="en-GB"/>
+            </a:p>
+          </p:txBody>
+        </p:sp>
+      </p:grpSp>
     </p:spTree>
     <p:extLst>
       <p:ext uri="{BB962C8B-B14F-4D97-AF65-F5344CB8AC3E}">
